--- a/EDA.pptx
+++ b/EDA.pptx
@@ -8809,10 +8809,10 @@
       </p:sp>
       <p:pic>
         <p:nvPicPr>
-          <p:cNvPr id="8" name="Imagen 7">
+          <p:cNvPr id="10" name="Imagen 9">
             <a:extLst>
               <a:ext uri="{FF2B5EF4-FFF2-40B4-BE49-F238E27FC236}">
-                <a16:creationId xmlns:a16="http://schemas.microsoft.com/office/drawing/2014/main" id="{766E369D-EE7F-315F-DAA1-EF6C8FBCD7B8}"/>
+                <a16:creationId xmlns:a16="http://schemas.microsoft.com/office/drawing/2014/main" id="{952DC753-7DC0-7344-A1A8-D4E0705C9F25}"/>
               </a:ext>
             </a:extLst>
           </p:cNvPr>
@@ -8835,20 +8835,55 @@
         </p:blipFill>
         <p:spPr>
           <a:xfrm>
-            <a:off x="368101" y="2967135"/>
-            <a:ext cx="5358882" cy="3108685"/>
+            <a:off x="6658460" y="1548880"/>
+            <a:ext cx="4322122" cy="4375317"/>
           </a:xfrm>
           <a:prstGeom prst="rect">
             <a:avLst/>
           </a:prstGeom>
         </p:spPr>
       </p:pic>
+      <p:sp>
+        <p:nvSpPr>
+          <p:cNvPr id="11" name="CuadroTexto 10">
+            <a:extLst>
+              <a:ext uri="{FF2B5EF4-FFF2-40B4-BE49-F238E27FC236}">
+                <a16:creationId xmlns:a16="http://schemas.microsoft.com/office/drawing/2014/main" id="{573EC3E6-9A14-E5B6-31F7-825068E235B5}"/>
+              </a:ext>
+            </a:extLst>
+          </p:cNvPr>
+          <p:cNvSpPr txBox="1"/>
+          <p:nvPr/>
+        </p:nvSpPr>
+        <p:spPr>
+          <a:xfrm>
+            <a:off x="858416" y="1464906"/>
+            <a:ext cx="4114800" cy="646331"/>
+          </a:xfrm>
+          <a:prstGeom prst="rect">
+            <a:avLst/>
+          </a:prstGeom>
+          <a:noFill/>
+        </p:spPr>
+        <p:txBody>
+          <a:bodyPr wrap="square" rtlCol="0">
+            <a:spAutoFit/>
+          </a:bodyPr>
+          <a:lstStyle/>
+          <a:p>
+            <a:r>
+              <a:rPr lang="es-ES" dirty="0"/>
+              <a:t>Primero vemos como se distribuyen los tipos</a:t>
+            </a:r>
+          </a:p>
+        </p:txBody>
+      </p:sp>
       <p:pic>
         <p:nvPicPr>
-          <p:cNvPr id="10" name="Imagen 9">
+          <p:cNvPr id="13" name="Imagen 12">
             <a:extLst>
               <a:ext uri="{FF2B5EF4-FFF2-40B4-BE49-F238E27FC236}">
-                <a16:creationId xmlns:a16="http://schemas.microsoft.com/office/drawing/2014/main" id="{952DC753-7DC0-7344-A1A8-D4E0705C9F25}"/>
+                <a16:creationId xmlns:a16="http://schemas.microsoft.com/office/drawing/2014/main" id="{E86116B0-9A75-98A0-3BEA-D5D32F1721A3}"/>
               </a:ext>
             </a:extLst>
           </p:cNvPr>
@@ -8871,55 +8906,20 @@
         </p:blipFill>
         <p:spPr>
           <a:xfrm>
-            <a:off x="6658460" y="1548880"/>
-            <a:ext cx="4322122" cy="4375317"/>
+            <a:off x="8208295" y="77162"/>
+            <a:ext cx="1597223" cy="1474237"/>
           </a:xfrm>
           <a:prstGeom prst="rect">
             <a:avLst/>
           </a:prstGeom>
         </p:spPr>
       </p:pic>
-      <p:sp>
-        <p:nvSpPr>
-          <p:cNvPr id="11" name="CuadroTexto 10">
+      <p:pic>
+        <p:nvPicPr>
+          <p:cNvPr id="4" name="Imagen 3">
             <a:extLst>
               <a:ext uri="{FF2B5EF4-FFF2-40B4-BE49-F238E27FC236}">
-                <a16:creationId xmlns:a16="http://schemas.microsoft.com/office/drawing/2014/main" id="{573EC3E6-9A14-E5B6-31F7-825068E235B5}"/>
-              </a:ext>
-            </a:extLst>
-          </p:cNvPr>
-          <p:cNvSpPr txBox="1"/>
-          <p:nvPr/>
-        </p:nvSpPr>
-        <p:spPr>
-          <a:xfrm>
-            <a:off x="858416" y="1464906"/>
-            <a:ext cx="4114800" cy="646331"/>
-          </a:xfrm>
-          <a:prstGeom prst="rect">
-            <a:avLst/>
-          </a:prstGeom>
-          <a:noFill/>
-        </p:spPr>
-        <p:txBody>
-          <a:bodyPr wrap="square" rtlCol="0">
-            <a:spAutoFit/>
-          </a:bodyPr>
-          <a:lstStyle/>
-          <a:p>
-            <a:r>
-              <a:rPr lang="es-ES" dirty="0"/>
-              <a:t>Primero vemos como se distribuyen los tipos</a:t>
-            </a:r>
-          </a:p>
-        </p:txBody>
-      </p:sp>
-      <p:pic>
-        <p:nvPicPr>
-          <p:cNvPr id="13" name="Imagen 12">
-            <a:extLst>
-              <a:ext uri="{FF2B5EF4-FFF2-40B4-BE49-F238E27FC236}">
-                <a16:creationId xmlns:a16="http://schemas.microsoft.com/office/drawing/2014/main" id="{E86116B0-9A75-98A0-3BEA-D5D32F1721A3}"/>
+                <a16:creationId xmlns:a16="http://schemas.microsoft.com/office/drawing/2014/main" id="{3EC7A423-FDAE-FFD5-A3EF-C027062C567B}"/>
               </a:ext>
             </a:extLst>
           </p:cNvPr>
@@ -8942,8 +8942,8 @@
         </p:blipFill>
         <p:spPr>
           <a:xfrm>
-            <a:off x="8208295" y="77162"/>
-            <a:ext cx="1597223" cy="1474237"/>
+            <a:off x="808639" y="2672179"/>
+            <a:ext cx="5620506" cy="3260453"/>
           </a:xfrm>
           <a:prstGeom prst="rect">
             <a:avLst/>
